--- a/Atlases_and_parcellations/2018_Wager_combined_atlas/canlab_atlas_region_subset_graphics.pptx
+++ b/Atlases_and_parcellations/2018_Wager_combined_atlas/canlab_atlas_region_subset_graphics.pptx
@@ -263,7 +263,7 @@
           <a:p>
             <a:fld id="{B67E7B77-91C8-5147-94A4-E1357C7F3737}" type="datetimeFigureOut">
               <a:rPr lang="en-US" smtClean="0"/>
-              <a:t>9/20/18</a:t>
+              <a:t>2/5/19</a:t>
             </a:fld>
             <a:endParaRPr lang="en-US"/>
           </a:p>
@@ -461,7 +461,7 @@
           <a:p>
             <a:fld id="{B67E7B77-91C8-5147-94A4-E1357C7F3737}" type="datetimeFigureOut">
               <a:rPr lang="en-US" smtClean="0"/>
-              <a:t>9/20/18</a:t>
+              <a:t>2/5/19</a:t>
             </a:fld>
             <a:endParaRPr lang="en-US"/>
           </a:p>
@@ -669,7 +669,7 @@
           <a:p>
             <a:fld id="{B67E7B77-91C8-5147-94A4-E1357C7F3737}" type="datetimeFigureOut">
               <a:rPr lang="en-US" smtClean="0"/>
-              <a:t>9/20/18</a:t>
+              <a:t>2/5/19</a:t>
             </a:fld>
             <a:endParaRPr lang="en-US"/>
           </a:p>
@@ -867,7 +867,7 @@
           <a:p>
             <a:fld id="{B67E7B77-91C8-5147-94A4-E1357C7F3737}" type="datetimeFigureOut">
               <a:rPr lang="en-US" smtClean="0"/>
-              <a:t>9/20/18</a:t>
+              <a:t>2/5/19</a:t>
             </a:fld>
             <a:endParaRPr lang="en-US"/>
           </a:p>
@@ -1142,7 +1142,7 @@
           <a:p>
             <a:fld id="{B67E7B77-91C8-5147-94A4-E1357C7F3737}" type="datetimeFigureOut">
               <a:rPr lang="en-US" smtClean="0"/>
-              <a:t>9/20/18</a:t>
+              <a:t>2/5/19</a:t>
             </a:fld>
             <a:endParaRPr lang="en-US"/>
           </a:p>
@@ -1407,7 +1407,7 @@
           <a:p>
             <a:fld id="{B67E7B77-91C8-5147-94A4-E1357C7F3737}" type="datetimeFigureOut">
               <a:rPr lang="en-US" smtClean="0"/>
-              <a:t>9/20/18</a:t>
+              <a:t>2/5/19</a:t>
             </a:fld>
             <a:endParaRPr lang="en-US"/>
           </a:p>
@@ -1819,7 +1819,7 @@
           <a:p>
             <a:fld id="{B67E7B77-91C8-5147-94A4-E1357C7F3737}" type="datetimeFigureOut">
               <a:rPr lang="en-US" smtClean="0"/>
-              <a:t>9/20/18</a:t>
+              <a:t>2/5/19</a:t>
             </a:fld>
             <a:endParaRPr lang="en-US"/>
           </a:p>
@@ -1960,7 +1960,7 @@
           <a:p>
             <a:fld id="{B67E7B77-91C8-5147-94A4-E1357C7F3737}" type="datetimeFigureOut">
               <a:rPr lang="en-US" smtClean="0"/>
-              <a:t>9/20/18</a:t>
+              <a:t>2/5/19</a:t>
             </a:fld>
             <a:endParaRPr lang="en-US"/>
           </a:p>
@@ -2073,7 +2073,7 @@
           <a:p>
             <a:fld id="{B67E7B77-91C8-5147-94A4-E1357C7F3737}" type="datetimeFigureOut">
               <a:rPr lang="en-US" smtClean="0"/>
-              <a:t>9/20/18</a:t>
+              <a:t>2/5/19</a:t>
             </a:fld>
             <a:endParaRPr lang="en-US"/>
           </a:p>
@@ -2384,7 +2384,7 @@
           <a:p>
             <a:fld id="{B67E7B77-91C8-5147-94A4-E1357C7F3737}" type="datetimeFigureOut">
               <a:rPr lang="en-US" smtClean="0"/>
-              <a:t>9/20/18</a:t>
+              <a:t>2/5/19</a:t>
             </a:fld>
             <a:endParaRPr lang="en-US"/>
           </a:p>
@@ -2672,7 +2672,7 @@
           <a:p>
             <a:fld id="{B67E7B77-91C8-5147-94A4-E1357C7F3737}" type="datetimeFigureOut">
               <a:rPr lang="en-US" smtClean="0"/>
-              <a:t>9/20/18</a:t>
+              <a:t>2/5/19</a:t>
             </a:fld>
             <a:endParaRPr lang="en-US"/>
           </a:p>
@@ -2913,7 +2913,7 @@
           <a:p>
             <a:fld id="{B67E7B77-91C8-5147-94A4-E1357C7F3737}" type="datetimeFigureOut">
               <a:rPr lang="en-US" smtClean="0"/>
-              <a:t>9/20/18</a:t>
+              <a:t>2/5/19</a:t>
             </a:fld>
             <a:endParaRPr lang="en-US"/>
           </a:p>
@@ -3344,7 +3344,7 @@
         </p:nvGrpSpPr>
         <p:grpSpPr>
           <a:xfrm>
-            <a:off x="4177084" y="728429"/>
+            <a:off x="4431784" y="745166"/>
             <a:ext cx="2452652" cy="2467407"/>
             <a:chOff x="3140623" y="232455"/>
             <a:chExt cx="2452652" cy="2467407"/>
@@ -4693,6 +4693,772 @@
           </p:grpSp>
         </p:grpSp>
       </p:grpSp>
+      <p:pic>
+        <p:nvPicPr>
+          <p:cNvPr id="47" name="Graphic 46">
+            <a:extLst>
+              <a:ext uri="{FF2B5EF4-FFF2-40B4-BE49-F238E27FC236}">
+                <a16:creationId xmlns:a16="http://schemas.microsoft.com/office/drawing/2014/main" id="{B13DA3DD-39D9-5E48-A5CA-AB9ABCDA19BE}"/>
+              </a:ext>
+            </a:extLst>
+          </p:cNvPr>
+          <p:cNvPicPr>
+            <a:picLocks noChangeAspect="1"/>
+          </p:cNvPicPr>
+          <p:nvPr/>
+        </p:nvPicPr>
+        <p:blipFill rotWithShape="1">
+          <a:blip r:embed="rId6">
+            <a:extLst>
+              <a:ext uri="{96DAC541-7B7A-43D3-8B79-37D633B846F1}">
+                <asvg:svgBlip xmlns:asvg="http://schemas.microsoft.com/office/drawing/2016/SVG/main" r:embed="rId7"/>
+              </a:ext>
+            </a:extLst>
+          </a:blip>
+          <a:srcRect l="59359" t="20166" r="12030" b="23086"/>
+          <a:stretch/>
+        </p:blipFill>
+        <p:spPr>
+          <a:xfrm>
+            <a:off x="4846450" y="4437404"/>
+            <a:ext cx="1766355" cy="1751757"/>
+          </a:xfrm>
+          <a:prstGeom prst="ellipse">
+            <a:avLst/>
+          </a:prstGeom>
+        </p:spPr>
+      </p:pic>
+      <p:grpSp>
+        <p:nvGrpSpPr>
+          <p:cNvPr id="48" name="Group 47">
+            <a:extLst>
+              <a:ext uri="{FF2B5EF4-FFF2-40B4-BE49-F238E27FC236}">
+                <a16:creationId xmlns:a16="http://schemas.microsoft.com/office/drawing/2014/main" id="{82B3AFCF-04F4-044D-9291-94931D83306B}"/>
+              </a:ext>
+            </a:extLst>
+          </p:cNvPr>
+          <p:cNvGrpSpPr/>
+          <p:nvPr/>
+        </p:nvGrpSpPr>
+        <p:grpSpPr>
+          <a:xfrm>
+            <a:off x="4333694" y="3773309"/>
+            <a:ext cx="2722468" cy="2831707"/>
+            <a:chOff x="2373511" y="2293803"/>
+            <a:chExt cx="2722468" cy="2831707"/>
+          </a:xfrm>
+        </p:grpSpPr>
+        <p:pic>
+          <p:nvPicPr>
+            <p:cNvPr id="49" name="Picture 48">
+              <a:extLst>
+                <a:ext uri="{FF2B5EF4-FFF2-40B4-BE49-F238E27FC236}">
+                  <a16:creationId xmlns:a16="http://schemas.microsoft.com/office/drawing/2014/main" id="{F7B5C5FB-C7BA-B946-BFB1-AFE5BA91BD49}"/>
+                </a:ext>
+              </a:extLst>
+            </p:cNvPr>
+            <p:cNvPicPr>
+              <a:picLocks noChangeAspect="1"/>
+            </p:cNvPicPr>
+            <p:nvPr/>
+          </p:nvPicPr>
+          <p:blipFill rotWithShape="1">
+            <a:blip r:embed="rId2">
+              <a:clrChange>
+                <a:clrFrom>
+                  <a:srgbClr val="FFFFFF"/>
+                </a:clrFrom>
+                <a:clrTo>
+                  <a:srgbClr val="FFFFFF">
+                    <a:alpha val="0"/>
+                  </a:srgbClr>
+                </a:clrTo>
+              </a:clrChange>
+            </a:blip>
+            <a:srcRect l="16976" t="8518" r="13740" b="11382"/>
+            <a:stretch/>
+          </p:blipFill>
+          <p:spPr>
+            <a:xfrm rot="1476222">
+              <a:off x="2833460" y="2901623"/>
+              <a:ext cx="1862918" cy="1833253"/>
+            </a:xfrm>
+            <a:prstGeom prst="donut">
+              <a:avLst>
+                <a:gd name="adj" fmla="val 8484"/>
+              </a:avLst>
+            </a:prstGeom>
+          </p:spPr>
+        </p:pic>
+        <p:grpSp>
+          <p:nvGrpSpPr>
+            <p:cNvPr id="71" name="Group 70">
+              <a:extLst>
+                <a:ext uri="{FF2B5EF4-FFF2-40B4-BE49-F238E27FC236}">
+                  <a16:creationId xmlns:a16="http://schemas.microsoft.com/office/drawing/2014/main" id="{048E52A4-7CEC-AA45-B22F-2E55FFA3BD10}"/>
+                </a:ext>
+              </a:extLst>
+            </p:cNvPr>
+            <p:cNvGrpSpPr/>
+            <p:nvPr/>
+          </p:nvGrpSpPr>
+          <p:grpSpPr>
+            <a:xfrm>
+              <a:off x="2433859" y="2957898"/>
+              <a:ext cx="515362" cy="612865"/>
+              <a:chOff x="2385465" y="3388473"/>
+              <a:chExt cx="515362" cy="612865"/>
+            </a:xfrm>
+          </p:grpSpPr>
+          <p:pic>
+            <p:nvPicPr>
+              <p:cNvPr id="91" name="Picture 90">
+                <a:extLst>
+                  <a:ext uri="{FF2B5EF4-FFF2-40B4-BE49-F238E27FC236}">
+                    <a16:creationId xmlns:a16="http://schemas.microsoft.com/office/drawing/2014/main" id="{EA8DB7D0-1900-BF46-B6BC-791CA14FA9AD}"/>
+                  </a:ext>
+                </a:extLst>
+              </p:cNvPr>
+              <p:cNvPicPr>
+                <a:picLocks noChangeAspect="1"/>
+              </p:cNvPicPr>
+              <p:nvPr/>
+            </p:nvPicPr>
+            <p:blipFill rotWithShape="1">
+              <a:blip r:embed="rId3"/>
+              <a:srcRect l="78901" t="18770" r="13467" b="67635"/>
+              <a:stretch/>
+            </p:blipFill>
+            <p:spPr>
+              <a:xfrm>
+                <a:off x="2433859" y="3617306"/>
+                <a:ext cx="402413" cy="384032"/>
+              </a:xfrm>
+              <a:prstGeom prst="ellipse">
+                <a:avLst/>
+              </a:prstGeom>
+            </p:spPr>
+          </p:pic>
+          <p:sp>
+            <p:nvSpPr>
+              <p:cNvPr id="92" name="TextBox 91">
+                <a:extLst>
+                  <a:ext uri="{FF2B5EF4-FFF2-40B4-BE49-F238E27FC236}">
+                    <a16:creationId xmlns:a16="http://schemas.microsoft.com/office/drawing/2014/main" id="{9D85CF32-687C-6949-A9D2-355FDE92B9EC}"/>
+                  </a:ext>
+                </a:extLst>
+              </p:cNvPr>
+              <p:cNvSpPr txBox="1"/>
+              <p:nvPr/>
+            </p:nvSpPr>
+            <p:spPr>
+              <a:xfrm>
+                <a:off x="2385465" y="3388473"/>
+                <a:ext cx="515362" cy="269985"/>
+              </a:xfrm>
+              <a:prstGeom prst="rect">
+                <a:avLst/>
+              </a:prstGeom>
+              <a:noFill/>
+            </p:spPr>
+            <p:txBody>
+              <a:bodyPr wrap="none" rtlCol="0">
+                <a:spAutoFit/>
+              </a:bodyPr>
+              <a:lstStyle/>
+              <a:p>
+                <a:r>
+                  <a:rPr lang="en-US" sz="1000" dirty="0" err="1"/>
+                  <a:t>vAttn</a:t>
+                </a:r>
+                <a:endParaRPr lang="en-US" sz="1000" dirty="0"/>
+              </a:p>
+            </p:txBody>
+          </p:sp>
+        </p:grpSp>
+        <p:grpSp>
+          <p:nvGrpSpPr>
+            <p:cNvPr id="72" name="Group 71">
+              <a:extLst>
+                <a:ext uri="{FF2B5EF4-FFF2-40B4-BE49-F238E27FC236}">
+                  <a16:creationId xmlns:a16="http://schemas.microsoft.com/office/drawing/2014/main" id="{5289206F-9742-A54F-A48A-CCF4053E21F1}"/>
+                </a:ext>
+              </a:extLst>
+            </p:cNvPr>
+            <p:cNvGrpSpPr/>
+            <p:nvPr/>
+          </p:nvGrpSpPr>
+          <p:grpSpPr>
+            <a:xfrm>
+              <a:off x="3195201" y="2293803"/>
+              <a:ext cx="525908" cy="622254"/>
+              <a:chOff x="2810658" y="2519151"/>
+              <a:chExt cx="525908" cy="622254"/>
+            </a:xfrm>
+          </p:grpSpPr>
+          <p:pic>
+            <p:nvPicPr>
+              <p:cNvPr id="89" name="Picture 88">
+                <a:extLst>
+                  <a:ext uri="{FF2B5EF4-FFF2-40B4-BE49-F238E27FC236}">
+                    <a16:creationId xmlns:a16="http://schemas.microsoft.com/office/drawing/2014/main" id="{DCE9098C-CFBF-594D-B2FF-D18F338326AC}"/>
+                  </a:ext>
+                </a:extLst>
+              </p:cNvPr>
+              <p:cNvPicPr>
+                <a:picLocks noChangeAspect="1"/>
+              </p:cNvPicPr>
+              <p:nvPr/>
+            </p:nvPicPr>
+            <p:blipFill rotWithShape="1">
+              <a:blip r:embed="rId3"/>
+              <a:srcRect l="58408" t="16319" r="33960" b="70086"/>
+              <a:stretch/>
+            </p:blipFill>
+            <p:spPr>
+              <a:xfrm>
+                <a:off x="2869858" y="2757373"/>
+                <a:ext cx="402413" cy="384032"/>
+              </a:xfrm>
+              <a:prstGeom prst="ellipse">
+                <a:avLst/>
+              </a:prstGeom>
+            </p:spPr>
+          </p:pic>
+          <p:sp>
+            <p:nvSpPr>
+              <p:cNvPr id="90" name="TextBox 89">
+                <a:extLst>
+                  <a:ext uri="{FF2B5EF4-FFF2-40B4-BE49-F238E27FC236}">
+                    <a16:creationId xmlns:a16="http://schemas.microsoft.com/office/drawing/2014/main" id="{1C4B73D4-B3CC-DB44-8DBC-BFDD74B7EE09}"/>
+                  </a:ext>
+                </a:extLst>
+              </p:cNvPr>
+              <p:cNvSpPr txBox="1"/>
+              <p:nvPr/>
+            </p:nvSpPr>
+            <p:spPr>
+              <a:xfrm>
+                <a:off x="2810658" y="2519151"/>
+                <a:ext cx="525908" cy="269985"/>
+              </a:xfrm>
+              <a:prstGeom prst="rect">
+                <a:avLst/>
+              </a:prstGeom>
+              <a:noFill/>
+            </p:spPr>
+            <p:txBody>
+              <a:bodyPr wrap="none" rtlCol="0">
+                <a:spAutoFit/>
+              </a:bodyPr>
+              <a:lstStyle/>
+              <a:p>
+                <a:r>
+                  <a:rPr lang="en-US" sz="1000" dirty="0" err="1"/>
+                  <a:t>dAttn</a:t>
+                </a:r>
+                <a:endParaRPr lang="en-US" sz="1000" dirty="0"/>
+              </a:p>
+            </p:txBody>
+          </p:sp>
+        </p:grpSp>
+        <p:grpSp>
+          <p:nvGrpSpPr>
+            <p:cNvPr id="73" name="Group 72">
+              <a:extLst>
+                <a:ext uri="{FF2B5EF4-FFF2-40B4-BE49-F238E27FC236}">
+                  <a16:creationId xmlns:a16="http://schemas.microsoft.com/office/drawing/2014/main" id="{9146BF7A-D1B5-A34D-ABF4-5F0844EFBA87}"/>
+                </a:ext>
+              </a:extLst>
+            </p:cNvPr>
+            <p:cNvGrpSpPr/>
+            <p:nvPr/>
+          </p:nvGrpSpPr>
+          <p:grpSpPr>
+            <a:xfrm>
+              <a:off x="4158902" y="2514610"/>
+              <a:ext cx="694649" cy="559727"/>
+              <a:chOff x="3746995" y="2350308"/>
+              <a:chExt cx="694649" cy="559727"/>
+            </a:xfrm>
+          </p:grpSpPr>
+          <p:pic>
+            <p:nvPicPr>
+              <p:cNvPr id="87" name="Picture 86">
+                <a:extLst>
+                  <a:ext uri="{FF2B5EF4-FFF2-40B4-BE49-F238E27FC236}">
+                    <a16:creationId xmlns:a16="http://schemas.microsoft.com/office/drawing/2014/main" id="{94C3BB76-5C61-9A45-AF40-0C315FC95219}"/>
+                  </a:ext>
+                </a:extLst>
+              </p:cNvPr>
+              <p:cNvPicPr>
+                <a:picLocks noChangeAspect="1"/>
+              </p:cNvPicPr>
+              <p:nvPr/>
+            </p:nvPicPr>
+            <p:blipFill rotWithShape="1">
+              <a:blip r:embed="rId3"/>
+              <a:srcRect l="37925" t="19136" r="55436" b="69102"/>
+              <a:stretch/>
+            </p:blipFill>
+            <p:spPr>
+              <a:xfrm>
+                <a:off x="3890394" y="2577796"/>
+                <a:ext cx="350038" cy="332239"/>
+              </a:xfrm>
+              <a:prstGeom prst="ellipse">
+                <a:avLst/>
+              </a:prstGeom>
+            </p:spPr>
+          </p:pic>
+          <p:sp>
+            <p:nvSpPr>
+              <p:cNvPr id="88" name="TextBox 87">
+                <a:extLst>
+                  <a:ext uri="{FF2B5EF4-FFF2-40B4-BE49-F238E27FC236}">
+                    <a16:creationId xmlns:a16="http://schemas.microsoft.com/office/drawing/2014/main" id="{B6F44F64-4CEC-944A-B4C5-EB6BADE8F29F}"/>
+                  </a:ext>
+                </a:extLst>
+              </p:cNvPr>
+              <p:cNvSpPr txBox="1"/>
+              <p:nvPr/>
+            </p:nvSpPr>
+            <p:spPr>
+              <a:xfrm>
+                <a:off x="3746995" y="2350308"/>
+                <a:ext cx="694649" cy="269985"/>
+              </a:xfrm>
+              <a:prstGeom prst="rect">
+                <a:avLst/>
+              </a:prstGeom>
+              <a:noFill/>
+            </p:spPr>
+            <p:txBody>
+              <a:bodyPr wrap="none" rtlCol="0">
+                <a:spAutoFit/>
+              </a:bodyPr>
+              <a:lstStyle/>
+              <a:p>
+                <a:r>
+                  <a:rPr lang="en-US" sz="1000" dirty="0" err="1"/>
+                  <a:t>SomMot</a:t>
+                </a:r>
+                <a:endParaRPr lang="en-US" sz="1000" dirty="0"/>
+              </a:p>
+            </p:txBody>
+          </p:sp>
+        </p:grpSp>
+        <p:grpSp>
+          <p:nvGrpSpPr>
+            <p:cNvPr id="74" name="Group 73">
+              <a:extLst>
+                <a:ext uri="{FF2B5EF4-FFF2-40B4-BE49-F238E27FC236}">
+                  <a16:creationId xmlns:a16="http://schemas.microsoft.com/office/drawing/2014/main" id="{1F7DDC7A-BB25-4F4D-8BD3-1B0C1165D517}"/>
+                </a:ext>
+              </a:extLst>
+            </p:cNvPr>
+            <p:cNvGrpSpPr/>
+            <p:nvPr/>
+          </p:nvGrpSpPr>
+          <p:grpSpPr>
+            <a:xfrm>
+              <a:off x="4728265" y="3425473"/>
+              <a:ext cx="367714" cy="632373"/>
+              <a:chOff x="4557497" y="2874215"/>
+              <a:chExt cx="367714" cy="632373"/>
+            </a:xfrm>
+          </p:grpSpPr>
+          <p:pic>
+            <p:nvPicPr>
+              <p:cNvPr id="85" name="Picture 84">
+                <a:extLst>
+                  <a:ext uri="{FF2B5EF4-FFF2-40B4-BE49-F238E27FC236}">
+                    <a16:creationId xmlns:a16="http://schemas.microsoft.com/office/drawing/2014/main" id="{306919B4-A28C-F84B-9BC0-FDD2B27A5B4A}"/>
+                  </a:ext>
+                </a:extLst>
+              </p:cNvPr>
+              <p:cNvPicPr>
+                <a:picLocks noChangeAspect="1"/>
+              </p:cNvPicPr>
+              <p:nvPr/>
+            </p:nvPicPr>
+            <p:blipFill rotWithShape="1">
+              <a:blip r:embed="rId3"/>
+              <a:srcRect l="16984" t="12627" r="75168" b="69355"/>
+              <a:stretch/>
+            </p:blipFill>
+            <p:spPr>
+              <a:xfrm>
+                <a:off x="4557497" y="3098581"/>
+                <a:ext cx="331744" cy="408007"/>
+              </a:xfrm>
+              <a:prstGeom prst="ellipse">
+                <a:avLst/>
+              </a:prstGeom>
+            </p:spPr>
+          </p:pic>
+          <p:sp>
+            <p:nvSpPr>
+              <p:cNvPr id="86" name="TextBox 85">
+                <a:extLst>
+                  <a:ext uri="{FF2B5EF4-FFF2-40B4-BE49-F238E27FC236}">
+                    <a16:creationId xmlns:a16="http://schemas.microsoft.com/office/drawing/2014/main" id="{68A1D312-A2E6-C040-96A7-3F6FC5F239B0}"/>
+                  </a:ext>
+                </a:extLst>
+              </p:cNvPr>
+              <p:cNvSpPr txBox="1"/>
+              <p:nvPr/>
+            </p:nvSpPr>
+            <p:spPr>
+              <a:xfrm>
+                <a:off x="4557497" y="2874215"/>
+                <a:ext cx="367714" cy="269985"/>
+              </a:xfrm>
+              <a:prstGeom prst="rect">
+                <a:avLst/>
+              </a:prstGeom>
+              <a:noFill/>
+            </p:spPr>
+            <p:txBody>
+              <a:bodyPr wrap="none" rtlCol="0">
+                <a:spAutoFit/>
+              </a:bodyPr>
+              <a:lstStyle/>
+              <a:p>
+                <a:r>
+                  <a:rPr lang="en-US" sz="1000" dirty="0"/>
+                  <a:t>Vis</a:t>
+                </a:r>
+              </a:p>
+            </p:txBody>
+          </p:sp>
+        </p:grpSp>
+        <p:grpSp>
+          <p:nvGrpSpPr>
+            <p:cNvPr id="75" name="Group 74">
+              <a:extLst>
+                <a:ext uri="{FF2B5EF4-FFF2-40B4-BE49-F238E27FC236}">
+                  <a16:creationId xmlns:a16="http://schemas.microsoft.com/office/drawing/2014/main" id="{E531C2E9-637C-8C4F-883B-5F7CDF9EE2BC}"/>
+                </a:ext>
+              </a:extLst>
+            </p:cNvPr>
+            <p:cNvGrpSpPr/>
+            <p:nvPr/>
+          </p:nvGrpSpPr>
+          <p:grpSpPr>
+            <a:xfrm>
+              <a:off x="4302301" y="4344492"/>
+              <a:ext cx="696666" cy="595463"/>
+              <a:chOff x="4582806" y="3888724"/>
+              <a:chExt cx="696666" cy="595463"/>
+            </a:xfrm>
+          </p:grpSpPr>
+          <p:pic>
+            <p:nvPicPr>
+              <p:cNvPr id="83" name="Picture 82">
+                <a:extLst>
+                  <a:ext uri="{FF2B5EF4-FFF2-40B4-BE49-F238E27FC236}">
+                    <a16:creationId xmlns:a16="http://schemas.microsoft.com/office/drawing/2014/main" id="{AACD10A6-D32F-C441-9FD9-42773095E18E}"/>
+                  </a:ext>
+                </a:extLst>
+              </p:cNvPr>
+              <p:cNvPicPr>
+                <a:picLocks noChangeAspect="1"/>
+              </p:cNvPicPr>
+              <p:nvPr/>
+            </p:nvPicPr>
+            <p:blipFill rotWithShape="1">
+              <a:blip r:embed="rId3"/>
+              <a:srcRect l="58474" t="66368" r="33894" b="20037"/>
+              <a:stretch/>
+            </p:blipFill>
+            <p:spPr>
+              <a:xfrm>
+                <a:off x="4582806" y="4100155"/>
+                <a:ext cx="402413" cy="384032"/>
+              </a:xfrm>
+              <a:prstGeom prst="ellipse">
+                <a:avLst/>
+              </a:prstGeom>
+            </p:spPr>
+          </p:pic>
+          <p:sp>
+            <p:nvSpPr>
+              <p:cNvPr id="84" name="TextBox 83">
+                <a:extLst>
+                  <a:ext uri="{FF2B5EF4-FFF2-40B4-BE49-F238E27FC236}">
+                    <a16:creationId xmlns:a16="http://schemas.microsoft.com/office/drawing/2014/main" id="{803B3189-1A7B-C14C-841F-E5CB2FA97DFF}"/>
+                  </a:ext>
+                </a:extLst>
+              </p:cNvPr>
+              <p:cNvSpPr txBox="1"/>
+              <p:nvPr/>
+            </p:nvSpPr>
+            <p:spPr>
+              <a:xfrm>
+                <a:off x="4779929" y="3888724"/>
+                <a:ext cx="499543" cy="269985"/>
+              </a:xfrm>
+              <a:prstGeom prst="rect">
+                <a:avLst/>
+              </a:prstGeom>
+              <a:noFill/>
+            </p:spPr>
+            <p:txBody>
+              <a:bodyPr wrap="none" rtlCol="0">
+                <a:spAutoFit/>
+              </a:bodyPr>
+              <a:lstStyle/>
+              <a:p>
+                <a:r>
+                  <a:rPr lang="en-US" sz="1000" dirty="0"/>
+                  <a:t>DMN</a:t>
+                </a:r>
+              </a:p>
+            </p:txBody>
+          </p:sp>
+        </p:grpSp>
+        <p:grpSp>
+          <p:nvGrpSpPr>
+            <p:cNvPr id="77" name="Group 76">
+              <a:extLst>
+                <a:ext uri="{FF2B5EF4-FFF2-40B4-BE49-F238E27FC236}">
+                  <a16:creationId xmlns:a16="http://schemas.microsoft.com/office/drawing/2014/main" id="{C26C25C7-22CF-6A46-A849-8BC23DACF6EC}"/>
+                </a:ext>
+              </a:extLst>
+            </p:cNvPr>
+            <p:cNvGrpSpPr/>
+            <p:nvPr/>
+          </p:nvGrpSpPr>
+          <p:grpSpPr>
+            <a:xfrm>
+              <a:off x="3237142" y="4722605"/>
+              <a:ext cx="751263" cy="402905"/>
+              <a:chOff x="3857516" y="4652949"/>
+              <a:chExt cx="751263" cy="402905"/>
+            </a:xfrm>
+          </p:grpSpPr>
+          <p:pic>
+            <p:nvPicPr>
+              <p:cNvPr id="81" name="Picture 80">
+                <a:extLst>
+                  <a:ext uri="{FF2B5EF4-FFF2-40B4-BE49-F238E27FC236}">
+                    <a16:creationId xmlns:a16="http://schemas.microsoft.com/office/drawing/2014/main" id="{C48BADB6-FFEF-3F42-9D4E-3AFBD35D5570}"/>
+                  </a:ext>
+                </a:extLst>
+              </p:cNvPr>
+              <p:cNvPicPr>
+                <a:picLocks noChangeAspect="1"/>
+              </p:cNvPicPr>
+              <p:nvPr/>
+            </p:nvPicPr>
+            <p:blipFill rotWithShape="1">
+              <a:blip r:embed="rId3"/>
+              <a:srcRect l="37427" t="65552" r="54941" b="20853"/>
+              <a:stretch/>
+            </p:blipFill>
+            <p:spPr>
+              <a:xfrm>
+                <a:off x="3857516" y="4671822"/>
+                <a:ext cx="402413" cy="384032"/>
+              </a:xfrm>
+              <a:prstGeom prst="ellipse">
+                <a:avLst/>
+              </a:prstGeom>
+            </p:spPr>
+          </p:pic>
+          <p:sp>
+            <p:nvSpPr>
+              <p:cNvPr id="82" name="TextBox 81">
+                <a:extLst>
+                  <a:ext uri="{FF2B5EF4-FFF2-40B4-BE49-F238E27FC236}">
+                    <a16:creationId xmlns:a16="http://schemas.microsoft.com/office/drawing/2014/main" id="{6E114FD1-F5C3-B64D-A527-F91E02A5A4BD}"/>
+                  </a:ext>
+                </a:extLst>
+              </p:cNvPr>
+              <p:cNvSpPr txBox="1"/>
+              <p:nvPr/>
+            </p:nvSpPr>
+            <p:spPr>
+              <a:xfrm>
+                <a:off x="4177788" y="4652949"/>
+                <a:ext cx="430991" cy="269985"/>
+              </a:xfrm>
+              <a:prstGeom prst="rect">
+                <a:avLst/>
+              </a:prstGeom>
+              <a:noFill/>
+            </p:spPr>
+            <p:txBody>
+              <a:bodyPr wrap="none" rtlCol="0">
+                <a:spAutoFit/>
+              </a:bodyPr>
+              <a:lstStyle/>
+              <a:p>
+                <a:r>
+                  <a:rPr lang="en-US" sz="1000" dirty="0"/>
+                  <a:t>FPN</a:t>
+                </a:r>
+              </a:p>
+            </p:txBody>
+          </p:sp>
+        </p:grpSp>
+        <p:grpSp>
+          <p:nvGrpSpPr>
+            <p:cNvPr id="78" name="Group 77">
+              <a:extLst>
+                <a:ext uri="{FF2B5EF4-FFF2-40B4-BE49-F238E27FC236}">
+                  <a16:creationId xmlns:a16="http://schemas.microsoft.com/office/drawing/2014/main" id="{E9821354-7E53-414A-8966-7ED20A3BAFB3}"/>
+                </a:ext>
+              </a:extLst>
+            </p:cNvPr>
+            <p:cNvGrpSpPr/>
+            <p:nvPr/>
+          </p:nvGrpSpPr>
+          <p:grpSpPr>
+            <a:xfrm>
+              <a:off x="2373511" y="3990435"/>
+              <a:ext cx="636058" cy="654138"/>
+              <a:chOff x="2627212" y="4220861"/>
+              <a:chExt cx="636058" cy="654138"/>
+            </a:xfrm>
+          </p:grpSpPr>
+          <p:pic>
+            <p:nvPicPr>
+              <p:cNvPr id="79" name="Picture 78">
+                <a:extLst>
+                  <a:ext uri="{FF2B5EF4-FFF2-40B4-BE49-F238E27FC236}">
+                    <a16:creationId xmlns:a16="http://schemas.microsoft.com/office/drawing/2014/main" id="{8620134C-AC62-174F-9F83-C4BC01DD0D3D}"/>
+                  </a:ext>
+                </a:extLst>
+              </p:cNvPr>
+              <p:cNvPicPr>
+                <a:picLocks noChangeAspect="1"/>
+              </p:cNvPicPr>
+              <p:nvPr/>
+            </p:nvPicPr>
+            <p:blipFill rotWithShape="1">
+              <a:blip r:embed="rId3"/>
+              <a:srcRect l="16983" t="68025" r="75385" b="18380"/>
+              <a:stretch/>
+            </p:blipFill>
+            <p:spPr>
+              <a:xfrm>
+                <a:off x="2860857" y="4490967"/>
+                <a:ext cx="402413" cy="384032"/>
+              </a:xfrm>
+              <a:prstGeom prst="ellipse">
+                <a:avLst/>
+              </a:prstGeom>
+            </p:spPr>
+          </p:pic>
+          <p:sp>
+            <p:nvSpPr>
+              <p:cNvPr id="80" name="TextBox 79">
+                <a:extLst>
+                  <a:ext uri="{FF2B5EF4-FFF2-40B4-BE49-F238E27FC236}">
+                    <a16:creationId xmlns:a16="http://schemas.microsoft.com/office/drawing/2014/main" id="{2E437785-C971-A342-8C29-53FD23EB7C3F}"/>
+                  </a:ext>
+                </a:extLst>
+              </p:cNvPr>
+              <p:cNvSpPr txBox="1"/>
+              <p:nvPr/>
+            </p:nvSpPr>
+            <p:spPr>
+              <a:xfrm>
+                <a:off x="2627212" y="4220861"/>
+                <a:ext cx="571609" cy="269985"/>
+              </a:xfrm>
+              <a:prstGeom prst="rect">
+                <a:avLst/>
+              </a:prstGeom>
+              <a:noFill/>
+            </p:spPr>
+            <p:txBody>
+              <a:bodyPr wrap="none" rtlCol="0">
+                <a:spAutoFit/>
+              </a:bodyPr>
+              <a:lstStyle/>
+              <a:p>
+                <a:r>
+                  <a:rPr lang="en-US" sz="1000" dirty="0"/>
+                  <a:t>Limbic</a:t>
+                </a:r>
+              </a:p>
+            </p:txBody>
+          </p:sp>
+        </p:grpSp>
+      </p:grpSp>
+      <p:sp>
+        <p:nvSpPr>
+          <p:cNvPr id="93" name="TextBox 92">
+            <a:extLst>
+              <a:ext uri="{FF2B5EF4-FFF2-40B4-BE49-F238E27FC236}">
+                <a16:creationId xmlns:a16="http://schemas.microsoft.com/office/drawing/2014/main" id="{1C19EEE3-9122-6E4E-8FB9-A51D9267A370}"/>
+              </a:ext>
+            </a:extLst>
+          </p:cNvPr>
+          <p:cNvSpPr txBox="1"/>
+          <p:nvPr/>
+        </p:nvSpPr>
+        <p:spPr>
+          <a:xfrm rot="16200000">
+            <a:off x="2786578" y="4928371"/>
+            <a:ext cx="1823320" cy="369332"/>
+          </a:xfrm>
+          <a:prstGeom prst="rect">
+            <a:avLst/>
+          </a:prstGeom>
+          <a:noFill/>
+        </p:spPr>
+        <p:txBody>
+          <a:bodyPr wrap="none" rtlCol="0">
+            <a:spAutoFit/>
+          </a:bodyPr>
+          <a:lstStyle/>
+          <a:p>
+            <a:r>
+              <a:rPr lang="en-US" dirty="0"/>
+              <a:t>Polar plot version</a:t>
+            </a:r>
+          </a:p>
+        </p:txBody>
+      </p:sp>
+      <p:sp>
+        <p:nvSpPr>
+          <p:cNvPr id="94" name="TextBox 93">
+            <a:extLst>
+              <a:ext uri="{FF2B5EF4-FFF2-40B4-BE49-F238E27FC236}">
+                <a16:creationId xmlns:a16="http://schemas.microsoft.com/office/drawing/2014/main" id="{38618E9A-8C8A-D443-9C3C-E553E68948A1}"/>
+              </a:ext>
+            </a:extLst>
+          </p:cNvPr>
+          <p:cNvSpPr txBox="1"/>
+          <p:nvPr/>
+        </p:nvSpPr>
+        <p:spPr>
+          <a:xfrm rot="16200000">
+            <a:off x="3169153" y="1866857"/>
+            <a:ext cx="2053191" cy="369332"/>
+          </a:xfrm>
+          <a:prstGeom prst="rect">
+            <a:avLst/>
+          </a:prstGeom>
+          <a:noFill/>
+        </p:spPr>
+        <p:txBody>
+          <a:bodyPr wrap="none" rtlCol="0">
+            <a:spAutoFit/>
+          </a:bodyPr>
+          <a:lstStyle/>
+          <a:p>
+            <a:r>
+              <a:rPr lang="en-US" dirty="0"/>
+              <a:t>Wedge  plot version</a:t>
+            </a:r>
+          </a:p>
+        </p:txBody>
+      </p:sp>
     </p:spTree>
     <p:extLst>
       <p:ext uri="{BB962C8B-B14F-4D97-AF65-F5344CB8AC3E}">
